--- a/Network-Security/Module_3_Network_Defense/Lesson_1_Network_Attacks_and_Threats.pptx
+++ b/Network-Security/Module_3_Network_Defense/Lesson_1_Network_Attacks_and_Threats.pptx
@@ -280,7 +280,7 @@
               <a:pPr>
                 <a:defRPr/>
               </a:pPr>
-              <a:t>4/13/2018</a:t>
+              <a:t>4/21/18</a:t>
             </a:fld>
             <a:endParaRPr lang="en-US"/>
           </a:p>
@@ -2913,7 +2913,7 @@
           <p:cNvPr id="2" name="Title 1">
             <a:extLst>
               <a:ext uri="{FF2B5EF4-FFF2-40B4-BE49-F238E27FC236}">
-                <a16:creationId xmlns:a16="http://schemas.microsoft.com/office/drawing/2014/main" id="{5C287DE2-E1A2-4F41-96FE-94AF4425CB03}"/>
+                <a16:creationId xmlns:a16="http://schemas.microsoft.com/office/drawing/2014/main" xmlns="" id="{5C287DE2-E1A2-4F41-96FE-94AF4425CB03}"/>
               </a:ext>
             </a:extLst>
           </p:cNvPr>
@@ -2938,6 +2938,10 @@
             </a:lvl1pPr>
           </a:lstStyle>
           <a:p>
+            <a:r>
+              <a:rPr lang="en-US" dirty="0"/>
+              <a:t/>
+            </a:r>
             <a:br>
               <a:rPr lang="en-US" dirty="0"/>
             </a:br>
@@ -2948,27 +2952,59 @@
             <a:br>
               <a:rPr lang="en-US" dirty="0"/>
             </a:br>
+            <a:r>
+              <a:rPr lang="en-US" dirty="0"/>
+              <a:t/>
+            </a:r>
             <a:br>
               <a:rPr lang="en-US" dirty="0"/>
             </a:br>
+            <a:r>
+              <a:rPr lang="en-US" dirty="0"/>
+              <a:t/>
+            </a:r>
             <a:br>
               <a:rPr lang="en-US" dirty="0"/>
             </a:br>
+            <a:r>
+              <a:rPr lang="en-US" dirty="0"/>
+              <a:t/>
+            </a:r>
             <a:br>
               <a:rPr lang="en-US" dirty="0"/>
             </a:br>
+            <a:r>
+              <a:rPr lang="en-US" dirty="0"/>
+              <a:t/>
+            </a:r>
             <a:br>
               <a:rPr lang="en-US" dirty="0"/>
             </a:br>
+            <a:r>
+              <a:rPr lang="en-US" dirty="0"/>
+              <a:t/>
+            </a:r>
             <a:br>
               <a:rPr lang="en-US" dirty="0"/>
             </a:br>
+            <a:r>
+              <a:rPr lang="en-US" dirty="0"/>
+              <a:t/>
+            </a:r>
             <a:br>
               <a:rPr lang="en-US" dirty="0"/>
             </a:br>
+            <a:r>
+              <a:rPr lang="en-US" dirty="0"/>
+              <a:t/>
+            </a:r>
             <a:br>
               <a:rPr lang="en-US" dirty="0"/>
             </a:br>
+            <a:r>
+              <a:rPr lang="en-US" dirty="0"/>
+              <a:t/>
+            </a:r>
             <a:br>
               <a:rPr lang="en-US" dirty="0"/>
             </a:br>
@@ -2979,6 +3015,10 @@
             <a:br>
               <a:rPr lang="en-US" dirty="0"/>
             </a:br>
+            <a:r>
+              <a:rPr lang="en-US" dirty="0"/>
+              <a:t/>
+            </a:r>
             <a:br>
               <a:rPr lang="en-US" dirty="0"/>
             </a:br>
@@ -2989,6 +3029,10 @@
             <a:br>
               <a:rPr lang="en-US" dirty="0"/>
             </a:br>
+            <a:r>
+              <a:rPr lang="en-US" dirty="0"/>
+              <a:t/>
+            </a:r>
             <a:br>
               <a:rPr lang="en-US" dirty="0"/>
             </a:br>
@@ -3008,7 +3052,7 @@
           <p:cNvPr id="3" name="Slide Number Placeholder 2">
             <a:extLst>
               <a:ext uri="{FF2B5EF4-FFF2-40B4-BE49-F238E27FC236}">
-                <a16:creationId xmlns:a16="http://schemas.microsoft.com/office/drawing/2014/main" id="{7D2FFADE-E1BC-48C1-83AA-6DDDD39A33C4}"/>
+                <a16:creationId xmlns:a16="http://schemas.microsoft.com/office/drawing/2014/main" xmlns="" id="{7D2FFADE-E1BC-48C1-83AA-6DDDD39A33C4}"/>
               </a:ext>
             </a:extLst>
           </p:cNvPr>
@@ -3043,7 +3087,7 @@
           <p:cNvPr id="9" name="Picture 8">
             <a:extLst>
               <a:ext uri="{FF2B5EF4-FFF2-40B4-BE49-F238E27FC236}">
-                <a16:creationId xmlns:a16="http://schemas.microsoft.com/office/drawing/2014/main" id="{9CBFC76A-A606-42CF-BCDF-C73975C150B9}"/>
+                <a16:creationId xmlns:a16="http://schemas.microsoft.com/office/drawing/2014/main" xmlns="" id="{9CBFC76A-A606-42CF-BCDF-C73975C150B9}"/>
               </a:ext>
             </a:extLst>
           </p:cNvPr>
@@ -3998,9 +4042,17 @@
           <a:bodyPr/>
           <a:lstStyle/>
           <a:p>
+            <a:r>
+              <a:rPr lang="en-US" dirty="0"/>
+              <a:t/>
+            </a:r>
             <a:br>
               <a:rPr lang="en-US" dirty="0"/>
             </a:br>
+            <a:r>
+              <a:rPr lang="en-US" dirty="0"/>
+              <a:t/>
+            </a:r>
             <a:br>
               <a:rPr lang="en-US" dirty="0"/>
             </a:br>
@@ -4066,7 +4118,7 @@
           <p:cNvPr id="2" name="Title 1">
             <a:extLst>
               <a:ext uri="{FF2B5EF4-FFF2-40B4-BE49-F238E27FC236}">
-                <a16:creationId xmlns:a16="http://schemas.microsoft.com/office/drawing/2014/main" id="{B4837FF0-31A6-4E64-B289-B81B5514A54C}"/>
+                <a16:creationId xmlns:a16="http://schemas.microsoft.com/office/drawing/2014/main" xmlns="" id="{B4837FF0-31A6-4E64-B289-B81B5514A54C}"/>
               </a:ext>
             </a:extLst>
           </p:cNvPr>
@@ -4094,7 +4146,7 @@
           <p:cNvPr id="3" name="Content Placeholder 2">
             <a:extLst>
               <a:ext uri="{FF2B5EF4-FFF2-40B4-BE49-F238E27FC236}">
-                <a16:creationId xmlns:a16="http://schemas.microsoft.com/office/drawing/2014/main" id="{483A0ECB-F565-405B-B244-917E70E6CD26}"/>
+                <a16:creationId xmlns:a16="http://schemas.microsoft.com/office/drawing/2014/main" xmlns="" id="{483A0ECB-F565-405B-B244-917E70E6CD26}"/>
               </a:ext>
             </a:extLst>
           </p:cNvPr>
@@ -4143,7 +4195,7 @@
           <p:cNvPr id="4" name="Slide Number Placeholder 3">
             <a:extLst>
               <a:ext uri="{FF2B5EF4-FFF2-40B4-BE49-F238E27FC236}">
-                <a16:creationId xmlns:a16="http://schemas.microsoft.com/office/drawing/2014/main" id="{69096B53-5B7B-442D-8624-FCFBF16767EF}"/>
+                <a16:creationId xmlns:a16="http://schemas.microsoft.com/office/drawing/2014/main" xmlns="" id="{69096B53-5B7B-442D-8624-FCFBF16767EF}"/>
               </a:ext>
             </a:extLst>
           </p:cNvPr>
@@ -4211,7 +4263,7 @@
           <p:cNvPr id="2" name="Title 1">
             <a:extLst>
               <a:ext uri="{FF2B5EF4-FFF2-40B4-BE49-F238E27FC236}">
-                <a16:creationId xmlns:a16="http://schemas.microsoft.com/office/drawing/2014/main" id="{0CC8309B-DC4B-4A88-8F4F-D58A717B73CB}"/>
+                <a16:creationId xmlns:a16="http://schemas.microsoft.com/office/drawing/2014/main" xmlns="" id="{0CC8309B-DC4B-4A88-8F4F-D58A717B73CB}"/>
               </a:ext>
             </a:extLst>
           </p:cNvPr>
@@ -4239,7 +4291,7 @@
           <p:cNvPr id="3" name="Content Placeholder 2">
             <a:extLst>
               <a:ext uri="{FF2B5EF4-FFF2-40B4-BE49-F238E27FC236}">
-                <a16:creationId xmlns:a16="http://schemas.microsoft.com/office/drawing/2014/main" id="{EC18085F-3937-4BF5-8113-A94B2661B88D}"/>
+                <a16:creationId xmlns:a16="http://schemas.microsoft.com/office/drawing/2014/main" xmlns="" id="{EC18085F-3937-4BF5-8113-A94B2661B88D}"/>
               </a:ext>
             </a:extLst>
           </p:cNvPr>
@@ -4288,7 +4340,7 @@
           <p:cNvPr id="4" name="Slide Number Placeholder 3">
             <a:extLst>
               <a:ext uri="{FF2B5EF4-FFF2-40B4-BE49-F238E27FC236}">
-                <a16:creationId xmlns:a16="http://schemas.microsoft.com/office/drawing/2014/main" id="{249ABB5F-57D2-4B5D-AD5B-01329BAF8ADE}"/>
+                <a16:creationId xmlns:a16="http://schemas.microsoft.com/office/drawing/2014/main" xmlns="" id="{249ABB5F-57D2-4B5D-AD5B-01329BAF8ADE}"/>
               </a:ext>
             </a:extLst>
           </p:cNvPr>
@@ -4356,7 +4408,7 @@
           <p:cNvPr id="2" name="Title 1">
             <a:extLst>
               <a:ext uri="{FF2B5EF4-FFF2-40B4-BE49-F238E27FC236}">
-                <a16:creationId xmlns:a16="http://schemas.microsoft.com/office/drawing/2014/main" id="{39A04CF5-95A3-4C70-88B3-47BE3191D971}"/>
+                <a16:creationId xmlns:a16="http://schemas.microsoft.com/office/drawing/2014/main" xmlns="" id="{39A04CF5-95A3-4C70-88B3-47BE3191D971}"/>
               </a:ext>
             </a:extLst>
           </p:cNvPr>
@@ -4384,7 +4436,7 @@
           <p:cNvPr id="3" name="Content Placeholder 2">
             <a:extLst>
               <a:ext uri="{FF2B5EF4-FFF2-40B4-BE49-F238E27FC236}">
-                <a16:creationId xmlns:a16="http://schemas.microsoft.com/office/drawing/2014/main" id="{FF537E98-9A44-4097-9A20-71208E735E6D}"/>
+                <a16:creationId xmlns:a16="http://schemas.microsoft.com/office/drawing/2014/main" xmlns="" id="{FF537E98-9A44-4097-9A20-71208E735E6D}"/>
               </a:ext>
             </a:extLst>
           </p:cNvPr>
@@ -4474,7 +4526,7 @@
           <p:cNvPr id="4" name="Slide Number Placeholder 3">
             <a:extLst>
               <a:ext uri="{FF2B5EF4-FFF2-40B4-BE49-F238E27FC236}">
-                <a16:creationId xmlns:a16="http://schemas.microsoft.com/office/drawing/2014/main" id="{2B40421A-A5F4-4783-A705-00FE38DC982D}"/>
+                <a16:creationId xmlns:a16="http://schemas.microsoft.com/office/drawing/2014/main" xmlns="" id="{2B40421A-A5F4-4783-A705-00FE38DC982D}"/>
               </a:ext>
             </a:extLst>
           </p:cNvPr>
@@ -4542,7 +4594,7 @@
           <p:cNvPr id="11" name="Title 10">
             <a:extLst>
               <a:ext uri="{FF2B5EF4-FFF2-40B4-BE49-F238E27FC236}">
-                <a16:creationId xmlns:a16="http://schemas.microsoft.com/office/drawing/2014/main" id="{1F52A716-5142-4987-84C0-078D1007C406}"/>
+                <a16:creationId xmlns:a16="http://schemas.microsoft.com/office/drawing/2014/main" xmlns="" id="{1F52A716-5142-4987-84C0-078D1007C406}"/>
               </a:ext>
             </a:extLst>
           </p:cNvPr>
@@ -4567,7 +4619,7 @@
           <p:cNvPr id="7" name="Slide Number Placeholder 6">
             <a:extLst>
               <a:ext uri="{FF2B5EF4-FFF2-40B4-BE49-F238E27FC236}">
-                <a16:creationId xmlns:a16="http://schemas.microsoft.com/office/drawing/2014/main" id="{27B55DC7-B95B-4807-B808-1E7A81E0F45A}"/>
+                <a16:creationId xmlns:a16="http://schemas.microsoft.com/office/drawing/2014/main" xmlns="" id="{27B55DC7-B95B-4807-B808-1E7A81E0F45A}"/>
               </a:ext>
             </a:extLst>
           </p:cNvPr>
@@ -4630,7 +4682,7 @@
           <p:cNvPr id="2" name="Title 1">
             <a:extLst>
               <a:ext uri="{FF2B5EF4-FFF2-40B4-BE49-F238E27FC236}">
-                <a16:creationId xmlns:a16="http://schemas.microsoft.com/office/drawing/2014/main" id="{4FDDDE79-84CD-4BD4-8191-64CD17F70EB2}"/>
+                <a16:creationId xmlns:a16="http://schemas.microsoft.com/office/drawing/2014/main" xmlns="" id="{4FDDDE79-84CD-4BD4-8191-64CD17F70EB2}"/>
               </a:ext>
             </a:extLst>
           </p:cNvPr>
@@ -4647,8 +4699,12 @@
           <a:lstStyle/>
           <a:p>
             <a:r>
-              <a:rPr lang="en-US" dirty="0"/>
-              <a:t>Internetworking Module</a:t>
+              <a:rPr lang="en-US" dirty="0" smtClean="0"/>
+              <a:t>Network Defense </a:t>
+            </a:r>
+            <a:r>
+              <a:rPr lang="en-US" dirty="0"/>
+              <a:t>Module</a:t>
             </a:r>
           </a:p>
         </p:txBody>
@@ -4658,7 +4714,7 @@
           <p:cNvPr id="3" name="Content Placeholder 2">
             <a:extLst>
               <a:ext uri="{FF2B5EF4-FFF2-40B4-BE49-F238E27FC236}">
-                <a16:creationId xmlns:a16="http://schemas.microsoft.com/office/drawing/2014/main" id="{1E11D7D9-AFF5-4F1C-A116-5D460DCCEF0D}"/>
+                <a16:creationId xmlns:a16="http://schemas.microsoft.com/office/drawing/2014/main" xmlns="" id="{1E11D7D9-AFF5-4F1C-A116-5D460DCCEF0D}"/>
               </a:ext>
             </a:extLst>
           </p:cNvPr>
@@ -4748,7 +4804,7 @@
           <p:cNvPr id="4" name="Slide Number Placeholder 3">
             <a:extLst>
               <a:ext uri="{FF2B5EF4-FFF2-40B4-BE49-F238E27FC236}">
-                <a16:creationId xmlns:a16="http://schemas.microsoft.com/office/drawing/2014/main" id="{95BCECBD-F96D-47DA-9A6D-248B240ABC8D}"/>
+                <a16:creationId xmlns:a16="http://schemas.microsoft.com/office/drawing/2014/main" xmlns="" id="{95BCECBD-F96D-47DA-9A6D-248B240ABC8D}"/>
               </a:ext>
             </a:extLst>
           </p:cNvPr>
@@ -4873,7 +4929,7 @@
           <p:cNvPr id="3" name="Slide Number Placeholder 2">
             <a:extLst>
               <a:ext uri="{FF2B5EF4-FFF2-40B4-BE49-F238E27FC236}">
-                <a16:creationId xmlns:a16="http://schemas.microsoft.com/office/drawing/2014/main" id="{0B1163B0-19D9-4859-8B88-CD4B646011C3}"/>
+                <a16:creationId xmlns:a16="http://schemas.microsoft.com/office/drawing/2014/main" xmlns="" id="{0B1163B0-19D9-4859-8B88-CD4B646011C3}"/>
               </a:ext>
             </a:extLst>
           </p:cNvPr>
@@ -4987,9 +5043,14 @@
           <a:p>
             <a:pPr lvl="1"/>
             <a:r>
-              <a:rPr lang="en-US" dirty="0"/>
-              <a:t>Discuss..</a:t>
-            </a:r>
+              <a:rPr lang="en-US" dirty="0" smtClean="0"/>
+              <a:t>Discuss</a:t>
+            </a:r>
+            <a:r>
+              <a:rPr lang="mr-IN" dirty="0" smtClean="0"/>
+              <a:t>…</a:t>
+            </a:r>
+            <a:endParaRPr lang="en-US" dirty="0"/>
           </a:p>
         </p:txBody>
       </p:sp>
@@ -5607,8 +5668,8 @@
               <a:t>This assigned reading discusses a classic cyber attack by Kevin </a:t>
             </a:r>
             <a:r>
-              <a:rPr lang="en-US" dirty="0" err="1"/>
-              <a:t>Mitcnick</a:t>
+              <a:rPr lang="en-US" dirty="0" err="1" smtClean="0"/>
+              <a:t>Mitnick</a:t>
             </a:r>
             <a:endParaRPr lang="en-US" dirty="0"/>
           </a:p>

--- a/Network-Security/Module_3_Network_Defense/Lesson_1_Network_Attacks_and_Threats.pptx
+++ b/Network-Security/Module_3_Network_Defense/Lesson_1_Network_Attacks_and_Threats.pptx
@@ -20,7 +20,7 @@
     <p:sldId id="340" r:id="rId11"/>
     <p:sldId id="356" r:id="rId12"/>
     <p:sldId id="357" r:id="rId13"/>
-    <p:sldId id="333" r:id="rId14"/>
+    <p:sldId id="359" r:id="rId14"/>
   </p:sldIdLst>
   <p:sldSz cx="9144000" cy="6858000" type="screen4x3"/>
   <p:notesSz cx="7315200" cy="9601200"/>
@@ -280,7 +280,7 @@
               <a:pPr>
                 <a:defRPr/>
               </a:pPr>
-              <a:t>4/21/18</a:t>
+              <a:t>4/24/18</a:t>
             </a:fld>
             <a:endParaRPr lang="en-US"/>
           </a:p>
@@ -949,7 +949,7 @@
     </p:spTree>
     <p:extLst>
       <p:ext uri="{BB962C8B-B14F-4D97-AF65-F5344CB8AC3E}">
-        <p14:creationId xmlns:p14="http://schemas.microsoft.com/office/powerpoint/2010/main" val="2433617412"/>
+        <p14:creationId xmlns:p14="http://schemas.microsoft.com/office/powerpoint/2010/main" val="402178711"/>
       </p:ext>
     </p:extLst>
   </p:cSld>
@@ -2913,7 +2913,7 @@
           <p:cNvPr id="2" name="Title 1">
             <a:extLst>
               <a:ext uri="{FF2B5EF4-FFF2-40B4-BE49-F238E27FC236}">
-                <a16:creationId xmlns:a16="http://schemas.microsoft.com/office/drawing/2014/main" xmlns="" id="{5C287DE2-E1A2-4F41-96FE-94AF4425CB03}"/>
+                <a16:creationId xmlns="" xmlns:a16="http://schemas.microsoft.com/office/drawing/2014/main" id="{5C287DE2-E1A2-4F41-96FE-94AF4425CB03}"/>
               </a:ext>
             </a:extLst>
           </p:cNvPr>
@@ -3052,7 +3052,7 @@
           <p:cNvPr id="3" name="Slide Number Placeholder 2">
             <a:extLst>
               <a:ext uri="{FF2B5EF4-FFF2-40B4-BE49-F238E27FC236}">
-                <a16:creationId xmlns:a16="http://schemas.microsoft.com/office/drawing/2014/main" xmlns="" id="{7D2FFADE-E1BC-48C1-83AA-6DDDD39A33C4}"/>
+                <a16:creationId xmlns="" xmlns:a16="http://schemas.microsoft.com/office/drawing/2014/main" id="{7D2FFADE-E1BC-48C1-83AA-6DDDD39A33C4}"/>
               </a:ext>
             </a:extLst>
           </p:cNvPr>
@@ -3087,7 +3087,7 @@
           <p:cNvPr id="9" name="Picture 8">
             <a:extLst>
               <a:ext uri="{FF2B5EF4-FFF2-40B4-BE49-F238E27FC236}">
-                <a16:creationId xmlns:a16="http://schemas.microsoft.com/office/drawing/2014/main" xmlns="" id="{9CBFC76A-A606-42CF-BCDF-C73975C150B9}"/>
+                <a16:creationId xmlns="" xmlns:a16="http://schemas.microsoft.com/office/drawing/2014/main" id="{9CBFC76A-A606-42CF-BCDF-C73975C150B9}"/>
               </a:ext>
             </a:extLst>
           </p:cNvPr>
@@ -4118,7 +4118,7 @@
           <p:cNvPr id="2" name="Title 1">
             <a:extLst>
               <a:ext uri="{FF2B5EF4-FFF2-40B4-BE49-F238E27FC236}">
-                <a16:creationId xmlns:a16="http://schemas.microsoft.com/office/drawing/2014/main" xmlns="" id="{B4837FF0-31A6-4E64-B289-B81B5514A54C}"/>
+                <a16:creationId xmlns="" xmlns:a16="http://schemas.microsoft.com/office/drawing/2014/main" id="{B4837FF0-31A6-4E64-B289-B81B5514A54C}"/>
               </a:ext>
             </a:extLst>
           </p:cNvPr>
@@ -4146,7 +4146,7 @@
           <p:cNvPr id="3" name="Content Placeholder 2">
             <a:extLst>
               <a:ext uri="{FF2B5EF4-FFF2-40B4-BE49-F238E27FC236}">
-                <a16:creationId xmlns:a16="http://schemas.microsoft.com/office/drawing/2014/main" xmlns="" id="{483A0ECB-F565-405B-B244-917E70E6CD26}"/>
+                <a16:creationId xmlns="" xmlns:a16="http://schemas.microsoft.com/office/drawing/2014/main" id="{483A0ECB-F565-405B-B244-917E70E6CD26}"/>
               </a:ext>
             </a:extLst>
           </p:cNvPr>
@@ -4195,7 +4195,7 @@
           <p:cNvPr id="4" name="Slide Number Placeholder 3">
             <a:extLst>
               <a:ext uri="{FF2B5EF4-FFF2-40B4-BE49-F238E27FC236}">
-                <a16:creationId xmlns:a16="http://schemas.microsoft.com/office/drawing/2014/main" xmlns="" id="{69096B53-5B7B-442D-8624-FCFBF16767EF}"/>
+                <a16:creationId xmlns="" xmlns:a16="http://schemas.microsoft.com/office/drawing/2014/main" id="{69096B53-5B7B-442D-8624-FCFBF16767EF}"/>
               </a:ext>
             </a:extLst>
           </p:cNvPr>
@@ -4263,7 +4263,7 @@
           <p:cNvPr id="2" name="Title 1">
             <a:extLst>
               <a:ext uri="{FF2B5EF4-FFF2-40B4-BE49-F238E27FC236}">
-                <a16:creationId xmlns:a16="http://schemas.microsoft.com/office/drawing/2014/main" xmlns="" id="{0CC8309B-DC4B-4A88-8F4F-D58A717B73CB}"/>
+                <a16:creationId xmlns="" xmlns:a16="http://schemas.microsoft.com/office/drawing/2014/main" id="{0CC8309B-DC4B-4A88-8F4F-D58A717B73CB}"/>
               </a:ext>
             </a:extLst>
           </p:cNvPr>
@@ -4291,7 +4291,7 @@
           <p:cNvPr id="3" name="Content Placeholder 2">
             <a:extLst>
               <a:ext uri="{FF2B5EF4-FFF2-40B4-BE49-F238E27FC236}">
-                <a16:creationId xmlns:a16="http://schemas.microsoft.com/office/drawing/2014/main" xmlns="" id="{EC18085F-3937-4BF5-8113-A94B2661B88D}"/>
+                <a16:creationId xmlns="" xmlns:a16="http://schemas.microsoft.com/office/drawing/2014/main" id="{EC18085F-3937-4BF5-8113-A94B2661B88D}"/>
               </a:ext>
             </a:extLst>
           </p:cNvPr>
@@ -4340,7 +4340,7 @@
           <p:cNvPr id="4" name="Slide Number Placeholder 3">
             <a:extLst>
               <a:ext uri="{FF2B5EF4-FFF2-40B4-BE49-F238E27FC236}">
-                <a16:creationId xmlns:a16="http://schemas.microsoft.com/office/drawing/2014/main" xmlns="" id="{249ABB5F-57D2-4B5D-AD5B-01329BAF8ADE}"/>
+                <a16:creationId xmlns="" xmlns:a16="http://schemas.microsoft.com/office/drawing/2014/main" id="{249ABB5F-57D2-4B5D-AD5B-01329BAF8ADE}"/>
               </a:ext>
             </a:extLst>
           </p:cNvPr>
@@ -4408,7 +4408,7 @@
           <p:cNvPr id="2" name="Title 1">
             <a:extLst>
               <a:ext uri="{FF2B5EF4-FFF2-40B4-BE49-F238E27FC236}">
-                <a16:creationId xmlns:a16="http://schemas.microsoft.com/office/drawing/2014/main" xmlns="" id="{39A04CF5-95A3-4C70-88B3-47BE3191D971}"/>
+                <a16:creationId xmlns="" xmlns:a16="http://schemas.microsoft.com/office/drawing/2014/main" id="{39A04CF5-95A3-4C70-88B3-47BE3191D971}"/>
               </a:ext>
             </a:extLst>
           </p:cNvPr>
@@ -4436,7 +4436,7 @@
           <p:cNvPr id="3" name="Content Placeholder 2">
             <a:extLst>
               <a:ext uri="{FF2B5EF4-FFF2-40B4-BE49-F238E27FC236}">
-                <a16:creationId xmlns:a16="http://schemas.microsoft.com/office/drawing/2014/main" xmlns="" id="{FF537E98-9A44-4097-9A20-71208E735E6D}"/>
+                <a16:creationId xmlns="" xmlns:a16="http://schemas.microsoft.com/office/drawing/2014/main" id="{FF537E98-9A44-4097-9A20-71208E735E6D}"/>
               </a:ext>
             </a:extLst>
           </p:cNvPr>
@@ -4526,7 +4526,7 @@
           <p:cNvPr id="4" name="Slide Number Placeholder 3">
             <a:extLst>
               <a:ext uri="{FF2B5EF4-FFF2-40B4-BE49-F238E27FC236}">
-                <a16:creationId xmlns:a16="http://schemas.microsoft.com/office/drawing/2014/main" xmlns="" id="{2B40421A-A5F4-4783-A705-00FE38DC982D}"/>
+                <a16:creationId xmlns="" xmlns:a16="http://schemas.microsoft.com/office/drawing/2014/main" id="{2B40421A-A5F4-4783-A705-00FE38DC982D}"/>
               </a:ext>
             </a:extLst>
           </p:cNvPr>
@@ -4591,35 +4591,10 @@
       </p:grpSpPr>
       <p:sp>
         <p:nvSpPr>
-          <p:cNvPr id="11" name="Title 10">
-            <a:extLst>
-              <a:ext uri="{FF2B5EF4-FFF2-40B4-BE49-F238E27FC236}">
-                <a16:creationId xmlns:a16="http://schemas.microsoft.com/office/drawing/2014/main" xmlns="" id="{1F52A716-5142-4987-84C0-078D1007C406}"/>
-              </a:ext>
-            </a:extLst>
-          </p:cNvPr>
-          <p:cNvSpPr>
-            <a:spLocks noGrp="1"/>
-          </p:cNvSpPr>
-          <p:nvPr>
-            <p:ph type="title"/>
-          </p:nvPr>
-        </p:nvSpPr>
-        <p:spPr/>
-        <p:txBody>
-          <a:bodyPr/>
-          <a:lstStyle/>
-          <a:p>
-            <a:endParaRPr lang="en-US"/>
-          </a:p>
-        </p:txBody>
-      </p:sp>
-      <p:sp>
-        <p:nvSpPr>
           <p:cNvPr id="7" name="Slide Number Placeholder 6">
             <a:extLst>
               <a:ext uri="{FF2B5EF4-FFF2-40B4-BE49-F238E27FC236}">
-                <a16:creationId xmlns:a16="http://schemas.microsoft.com/office/drawing/2014/main" xmlns="" id="{27B55DC7-B95B-4807-B808-1E7A81E0F45A}"/>
+                <a16:creationId xmlns="" xmlns:a16="http://schemas.microsoft.com/office/drawing/2014/main" id="{27B55DC7-B95B-4807-B808-1E7A81E0F45A}"/>
               </a:ext>
             </a:extLst>
           </p:cNvPr>
@@ -4644,13 +4619,345 @@
           </a:p>
         </p:txBody>
       </p:sp>
+      <p:sp>
+        <p:nvSpPr>
+          <p:cNvPr id="19" name="Text Placeholder 7">
+            <a:extLst>
+              <a:ext uri="{FF2B5EF4-FFF2-40B4-BE49-F238E27FC236}">
+                <a16:creationId xmlns="" xmlns:a16="http://schemas.microsoft.com/office/drawing/2014/main" id="{2785A2B3-FCF4-4D59-9841-12917D91B27A}"/>
+              </a:ext>
+            </a:extLst>
+          </p:cNvPr>
+          <p:cNvSpPr txBox="1">
+            <a:spLocks/>
+          </p:cNvSpPr>
+          <p:nvPr/>
+        </p:nvSpPr>
+        <p:spPr>
+          <a:xfrm>
+            <a:off x="725683" y="871606"/>
+            <a:ext cx="7893050" cy="5114787"/>
+          </a:xfrm>
+          <a:prstGeom prst="rect">
+            <a:avLst/>
+          </a:prstGeom>
+        </p:spPr>
+        <p:txBody>
+          <a:bodyPr/>
+          <a:lstStyle>
+            <a:lvl1pPr marL="0" indent="0" algn="ctr" defTabSz="685800" rtl="0" eaLnBrk="0" fontAlgn="base" hangingPunct="0">
+              <a:lnSpc>
+                <a:spcPct val="90000"/>
+              </a:lnSpc>
+              <a:spcBef>
+                <a:spcPts val="750"/>
+              </a:spcBef>
+              <a:spcAft>
+                <a:spcPct val="0"/>
+              </a:spcAft>
+              <a:buFont typeface="Arial" charset="0"/>
+              <a:buNone/>
+              <a:defRPr sz="1800" kern="1200">
+                <a:solidFill>
+                  <a:schemeClr val="tx1"/>
+                </a:solidFill>
+                <a:latin typeface="+mn-lt"/>
+                <a:ea typeface="+mn-ea"/>
+                <a:cs typeface="+mn-cs"/>
+              </a:defRPr>
+            </a:lvl1pPr>
+            <a:lvl2pPr marL="514350" indent="-171450" algn="l" defTabSz="685800" rtl="0" eaLnBrk="0" fontAlgn="base" hangingPunct="0">
+              <a:lnSpc>
+                <a:spcPct val="90000"/>
+              </a:lnSpc>
+              <a:spcBef>
+                <a:spcPts val="375"/>
+              </a:spcBef>
+              <a:spcAft>
+                <a:spcPct val="0"/>
+              </a:spcAft>
+              <a:buFont typeface="Arial" charset="0"/>
+              <a:buChar char="•"/>
+              <a:defRPr sz="2400" kern="1200">
+                <a:solidFill>
+                  <a:schemeClr val="tx1"/>
+                </a:solidFill>
+                <a:latin typeface="+mn-lt"/>
+                <a:ea typeface="+mn-ea"/>
+                <a:cs typeface="+mn-cs"/>
+              </a:defRPr>
+            </a:lvl2pPr>
+            <a:lvl3pPr marL="857250" indent="-171450" algn="l" defTabSz="685800" rtl="0" eaLnBrk="0" fontAlgn="base" hangingPunct="0">
+              <a:lnSpc>
+                <a:spcPct val="90000"/>
+              </a:lnSpc>
+              <a:spcBef>
+                <a:spcPts val="375"/>
+              </a:spcBef>
+              <a:spcAft>
+                <a:spcPct val="0"/>
+              </a:spcAft>
+              <a:buFont typeface="Arial" charset="0"/>
+              <a:buChar char="•"/>
+              <a:defRPr sz="1800" kern="1200">
+                <a:solidFill>
+                  <a:schemeClr val="tx1"/>
+                </a:solidFill>
+                <a:latin typeface="+mn-lt"/>
+                <a:ea typeface="+mn-ea"/>
+                <a:cs typeface="+mn-cs"/>
+              </a:defRPr>
+            </a:lvl3pPr>
+            <a:lvl4pPr marL="1200150" indent="-171450" algn="l" defTabSz="685800" rtl="0" eaLnBrk="0" fontAlgn="base" hangingPunct="0">
+              <a:lnSpc>
+                <a:spcPct val="90000"/>
+              </a:lnSpc>
+              <a:spcBef>
+                <a:spcPts val="375"/>
+              </a:spcBef>
+              <a:spcAft>
+                <a:spcPct val="0"/>
+              </a:spcAft>
+              <a:buFont typeface="Arial" charset="0"/>
+              <a:buChar char="•"/>
+              <a:defRPr sz="1600" kern="1200">
+                <a:solidFill>
+                  <a:schemeClr val="tx1"/>
+                </a:solidFill>
+                <a:latin typeface="+mn-lt"/>
+                <a:ea typeface="+mn-ea"/>
+                <a:cs typeface="+mn-cs"/>
+              </a:defRPr>
+            </a:lvl4pPr>
+            <a:lvl5pPr marL="1543050" indent="-171450" algn="l" defTabSz="685800" rtl="0" eaLnBrk="0" fontAlgn="base" hangingPunct="0">
+              <a:lnSpc>
+                <a:spcPct val="90000"/>
+              </a:lnSpc>
+              <a:spcBef>
+                <a:spcPts val="375"/>
+              </a:spcBef>
+              <a:spcAft>
+                <a:spcPct val="0"/>
+              </a:spcAft>
+              <a:buFont typeface="Arial" charset="0"/>
+              <a:buChar char="•"/>
+              <a:defRPr sz="1600" kern="1200">
+                <a:solidFill>
+                  <a:schemeClr val="tx1"/>
+                </a:solidFill>
+                <a:latin typeface="+mn-lt"/>
+                <a:ea typeface="+mn-ea"/>
+                <a:cs typeface="+mn-cs"/>
+              </a:defRPr>
+            </a:lvl5pPr>
+            <a:lvl6pPr marL="1885950" indent="-171450" algn="l" defTabSz="685800" rtl="0" eaLnBrk="1" latinLnBrk="0" hangingPunct="1">
+              <a:lnSpc>
+                <a:spcPct val="90000"/>
+              </a:lnSpc>
+              <a:spcBef>
+                <a:spcPts val="375"/>
+              </a:spcBef>
+              <a:buFont typeface="Arial" panose="020B0604020202020204" pitchFamily="34" charset="0"/>
+              <a:buChar char="•"/>
+              <a:defRPr sz="1350" kern="1200">
+                <a:solidFill>
+                  <a:schemeClr val="tx1"/>
+                </a:solidFill>
+                <a:latin typeface="+mn-lt"/>
+                <a:ea typeface="+mn-ea"/>
+                <a:cs typeface="+mn-cs"/>
+              </a:defRPr>
+            </a:lvl6pPr>
+            <a:lvl7pPr marL="2228850" indent="-171450" algn="l" defTabSz="685800" rtl="0" eaLnBrk="1" latinLnBrk="0" hangingPunct="1">
+              <a:lnSpc>
+                <a:spcPct val="90000"/>
+              </a:lnSpc>
+              <a:spcBef>
+                <a:spcPts val="375"/>
+              </a:spcBef>
+              <a:buFont typeface="Arial" panose="020B0604020202020204" pitchFamily="34" charset="0"/>
+              <a:buChar char="•"/>
+              <a:defRPr sz="1350" kern="1200">
+                <a:solidFill>
+                  <a:schemeClr val="tx1"/>
+                </a:solidFill>
+                <a:latin typeface="+mn-lt"/>
+                <a:ea typeface="+mn-ea"/>
+                <a:cs typeface="+mn-cs"/>
+              </a:defRPr>
+            </a:lvl7pPr>
+            <a:lvl8pPr marL="2571750" indent="-171450" algn="l" defTabSz="685800" rtl="0" eaLnBrk="1" latinLnBrk="0" hangingPunct="1">
+              <a:lnSpc>
+                <a:spcPct val="90000"/>
+              </a:lnSpc>
+              <a:spcBef>
+                <a:spcPts val="375"/>
+              </a:spcBef>
+              <a:buFont typeface="Arial" panose="020B0604020202020204" pitchFamily="34" charset="0"/>
+              <a:buChar char="•"/>
+              <a:defRPr sz="1350" kern="1200">
+                <a:solidFill>
+                  <a:schemeClr val="tx1"/>
+                </a:solidFill>
+                <a:latin typeface="+mn-lt"/>
+                <a:ea typeface="+mn-ea"/>
+                <a:cs typeface="+mn-cs"/>
+              </a:defRPr>
+            </a:lvl8pPr>
+            <a:lvl9pPr marL="2914650" indent="-171450" algn="l" defTabSz="685800" rtl="0" eaLnBrk="1" latinLnBrk="0" hangingPunct="1">
+              <a:lnSpc>
+                <a:spcPct val="90000"/>
+              </a:lnSpc>
+              <a:spcBef>
+                <a:spcPts val="375"/>
+              </a:spcBef>
+              <a:buFont typeface="Arial" panose="020B0604020202020204" pitchFamily="34" charset="0"/>
+              <a:buChar char="•"/>
+              <a:defRPr sz="1350" kern="1200">
+                <a:solidFill>
+                  <a:schemeClr val="tx1"/>
+                </a:solidFill>
+                <a:latin typeface="+mn-lt"/>
+                <a:ea typeface="+mn-ea"/>
+                <a:cs typeface="+mn-cs"/>
+              </a:defRPr>
+            </a:lvl9pPr>
+          </a:lstStyle>
+          <a:p>
+            <a:r>
+              <a:rPr lang="en-US" dirty="0"/>
+              <a:t>Please attribute Dr. </a:t>
+            </a:r>
+            <a:r>
+              <a:rPr lang="en-US"/>
+              <a:t>Jim </a:t>
+            </a:r>
+            <a:r>
+              <a:rPr lang="en-US" smtClean="0"/>
+              <a:t>Alves-Foss, </a:t>
+            </a:r>
+            <a:r>
+              <a:rPr lang="en-US" dirty="0"/>
+              <a:t>University of Idaho</a:t>
+            </a:r>
+            <a:br>
+              <a:rPr lang="en-US" dirty="0"/>
+            </a:br>
+            <a:r>
+              <a:rPr lang="en-US" dirty="0"/>
+              <a:t/>
+            </a:r>
+            <a:br>
+              <a:rPr lang="en-US" dirty="0"/>
+            </a:br>
+            <a:r>
+              <a:rPr lang="en-US" dirty="0"/>
+              <a:t/>
+            </a:r>
+            <a:br>
+              <a:rPr lang="en-US" dirty="0"/>
+            </a:br>
+            <a:r>
+              <a:rPr lang="en-US" dirty="0"/>
+              <a:t/>
+            </a:r>
+            <a:br>
+              <a:rPr lang="en-US" dirty="0"/>
+            </a:br>
+            <a:r>
+              <a:rPr lang="en-US" dirty="0"/>
+              <a:t/>
+            </a:r>
+            <a:br>
+              <a:rPr lang="en-US" dirty="0"/>
+            </a:br>
+            <a:r>
+              <a:rPr lang="en-US" dirty="0"/>
+              <a:t/>
+            </a:r>
+            <a:br>
+              <a:rPr lang="en-US" dirty="0"/>
+            </a:br>
+            <a:r>
+              <a:rPr lang="en-US" dirty="0"/>
+              <a:t/>
+            </a:r>
+            <a:br>
+              <a:rPr lang="en-US" dirty="0"/>
+            </a:br>
+            <a:r>
+              <a:rPr lang="en-US" dirty="0"/>
+              <a:t/>
+            </a:r>
+            <a:br>
+              <a:rPr lang="en-US" dirty="0"/>
+            </a:br>
+            <a:endParaRPr lang="en-US" dirty="0"/>
+          </a:p>
+          <a:p>
+            <a:r>
+              <a:rPr lang="en-US" sz="1600" dirty="0"/>
+              <a:t>Except where otherwise noted, this work is licensed under https://creativecommons.org/licenses/by-nc-sa/4.0/</a:t>
+            </a:r>
+            <a:br>
+              <a:rPr lang="en-US" sz="1600" dirty="0"/>
+            </a:br>
+            <a:r>
+              <a:rPr lang="en-US" sz="1600" dirty="0"/>
+              <a:t/>
+            </a:r>
+            <a:br>
+              <a:rPr lang="en-US" sz="1600" dirty="0"/>
+            </a:br>
+            <a:r>
+              <a:rPr lang="en-US" sz="1600" dirty="0"/>
+              <a:t>Not withstanding the non-commercial license terms, non-profit educational institutions are granted a non-exclusive license to adapt and use this material, with attribution.</a:t>
+            </a:r>
+            <a:br>
+              <a:rPr lang="en-US" sz="1600" dirty="0"/>
+            </a:br>
+            <a:r>
+              <a:rPr lang="en-US" sz="1600" dirty="0"/>
+              <a:t/>
+            </a:r>
+            <a:br>
+              <a:rPr lang="en-US" sz="1600" dirty="0"/>
+            </a:br>
+            <a:r>
+              <a:rPr lang="en-US" sz="1600" dirty="0"/>
+              <a:t>Creative Commons and the double C in a circle are registered trademarks of Creative commons in the United States and other countries. Third party marks and brands are the property of their respective holders</a:t>
+            </a:r>
+            <a:r>
+              <a:rPr lang="en-US" sz="1600" dirty="0" smtClean="0"/>
+              <a:t>.</a:t>
+            </a:r>
+          </a:p>
+          <a:p>
+            <a:r>
+              <a:rPr lang="en-US" sz="1600" dirty="0"/>
+              <a:t>Project sponsored by the National Security Agency under grant Number </a:t>
+            </a:r>
+            <a:r>
+              <a:rPr lang="en-US" sz="1600" dirty="0" smtClean="0"/>
+              <a:t>H98230-17-1-0199. The </a:t>
+            </a:r>
+            <a:r>
+              <a:rPr lang="en-US" sz="1600" dirty="0"/>
+              <a:t>United States Government is authorized to reproduce and distribute reprints notwithstanding any copyright notation herein.</a:t>
+            </a:r>
+          </a:p>
+          <a:p>
+            <a:endParaRPr lang="en-US" sz="1600" dirty="0"/>
+          </a:p>
+        </p:txBody>
+      </p:sp>
     </p:spTree>
     <p:custDataLst>
       <p:tags r:id="rId1"/>
     </p:custDataLst>
     <p:extLst>
       <p:ext uri="{BB962C8B-B14F-4D97-AF65-F5344CB8AC3E}">
-        <p14:creationId xmlns:p14="http://schemas.microsoft.com/office/powerpoint/2010/main" val="1892705052"/>
+        <p14:creationId xmlns:p14="http://schemas.microsoft.com/office/powerpoint/2010/main" val="529899260"/>
       </p:ext>
     </p:extLst>
   </p:cSld>
@@ -4682,7 +4989,7 @@
           <p:cNvPr id="2" name="Title 1">
             <a:extLst>
               <a:ext uri="{FF2B5EF4-FFF2-40B4-BE49-F238E27FC236}">
-                <a16:creationId xmlns:a16="http://schemas.microsoft.com/office/drawing/2014/main" xmlns="" id="{4FDDDE79-84CD-4BD4-8191-64CD17F70EB2}"/>
+                <a16:creationId xmlns="" xmlns:a16="http://schemas.microsoft.com/office/drawing/2014/main" id="{4FDDDE79-84CD-4BD4-8191-64CD17F70EB2}"/>
               </a:ext>
             </a:extLst>
           </p:cNvPr>
@@ -4714,7 +5021,7 @@
           <p:cNvPr id="3" name="Content Placeholder 2">
             <a:extLst>
               <a:ext uri="{FF2B5EF4-FFF2-40B4-BE49-F238E27FC236}">
-                <a16:creationId xmlns:a16="http://schemas.microsoft.com/office/drawing/2014/main" xmlns="" id="{1E11D7D9-AFF5-4F1C-A116-5D460DCCEF0D}"/>
+                <a16:creationId xmlns="" xmlns:a16="http://schemas.microsoft.com/office/drawing/2014/main" id="{1E11D7D9-AFF5-4F1C-A116-5D460DCCEF0D}"/>
               </a:ext>
             </a:extLst>
           </p:cNvPr>
@@ -4804,7 +5111,7 @@
           <p:cNvPr id="4" name="Slide Number Placeholder 3">
             <a:extLst>
               <a:ext uri="{FF2B5EF4-FFF2-40B4-BE49-F238E27FC236}">
-                <a16:creationId xmlns:a16="http://schemas.microsoft.com/office/drawing/2014/main" xmlns="" id="{95BCECBD-F96D-47DA-9A6D-248B240ABC8D}"/>
+                <a16:creationId xmlns="" xmlns:a16="http://schemas.microsoft.com/office/drawing/2014/main" id="{95BCECBD-F96D-47DA-9A6D-248B240ABC8D}"/>
               </a:ext>
             </a:extLst>
           </p:cNvPr>
@@ -4929,7 +5236,7 @@
           <p:cNvPr id="3" name="Slide Number Placeholder 2">
             <a:extLst>
               <a:ext uri="{FF2B5EF4-FFF2-40B4-BE49-F238E27FC236}">
-                <a16:creationId xmlns:a16="http://schemas.microsoft.com/office/drawing/2014/main" xmlns="" id="{0B1163B0-19D9-4859-8B88-CD4B646011C3}"/>
+                <a16:creationId xmlns="" xmlns:a16="http://schemas.microsoft.com/office/drawing/2014/main" id="{0B1163B0-19D9-4859-8B88-CD4B646011C3}"/>
               </a:ext>
             </a:extLst>
           </p:cNvPr>
@@ -5835,6 +6142,13 @@
 <file path=ppt/tags/tag24.xml><?xml version="1.0" encoding="utf-8"?>
 <p:tagLst xmlns:a="http://schemas.openxmlformats.org/drawingml/2006/main" xmlns:r="http://schemas.openxmlformats.org/officeDocument/2006/relationships" xmlns:p="http://schemas.openxmlformats.org/presentationml/2006/main">
   <p:tag name="AUDIO_ID" val="333"/>
+  <p:tag name="ARTICULATE_NAV_LEVEL" val="1"/>
+  <p:tag name="ARTICULATE_TOC_EXPANDED" val="True"/>
+  <p:tag name="ARTICULATE_SLIDE_PRESENTER_GUID" val="b6afec6b-4ad9-49aa-931c-79381ce9333b"/>
+  <p:tag name="ARTICULATE_SLIDE_PAUSE" val="0"/>
+  <p:tag name="ARTICULATE_HIDE_SLIDE" val="0"/>
+  <p:tag name="ARTICULATE_PLAYER_CONTROL_PREVIOUS" val="True"/>
+  <p:tag name="ARTICULATE_PLAYER_CONTROL_NEXT" val="True"/>
   <p:tag name="ARTICULATE_USED_LAYOUT" val="9"/>
   <p:tag name="ARTICULATE_SLIDE_THUMBNAIL_REFRESH" val="1"/>
 </p:tagLst>
